--- a/prefseditor.pptx
+++ b/prefseditor.pptx
@@ -8,6 +8,7 @@
     <p:sldId id="256" r:id="rId2"/>
     <p:sldId id="257" r:id="rId3"/>
     <p:sldId id="258" r:id="rId4"/>
+    <p:sldId id="259" r:id="rId5"/>
   </p:sldIdLst>
   <p:sldSz cx="12192000" cy="6858000"/>
   <p:notesSz cx="6858000" cy="9144000"/>
@@ -245,7 +246,7 @@
           <a:p>
             <a:fld id="{A8F71573-C613-483F-B0AC-F3A1BF3B7844}" type="datetimeFigureOut">
               <a:rPr lang="ru-RU" smtClean="0"/>
-              <a:t>24.07.2025</a:t>
+              <a:t>25.07.2025</a:t>
             </a:fld>
             <a:endParaRPr lang="ru-RU"/>
           </a:p>
@@ -415,7 +416,7 @@
           <a:p>
             <a:fld id="{A8F71573-C613-483F-B0AC-F3A1BF3B7844}" type="datetimeFigureOut">
               <a:rPr lang="ru-RU" smtClean="0"/>
-              <a:t>24.07.2025</a:t>
+              <a:t>25.07.2025</a:t>
             </a:fld>
             <a:endParaRPr lang="ru-RU"/>
           </a:p>
@@ -595,7 +596,7 @@
           <a:p>
             <a:fld id="{A8F71573-C613-483F-B0AC-F3A1BF3B7844}" type="datetimeFigureOut">
               <a:rPr lang="ru-RU" smtClean="0"/>
-              <a:t>24.07.2025</a:t>
+              <a:t>25.07.2025</a:t>
             </a:fld>
             <a:endParaRPr lang="ru-RU"/>
           </a:p>
@@ -765,7 +766,7 @@
           <a:p>
             <a:fld id="{A8F71573-C613-483F-B0AC-F3A1BF3B7844}" type="datetimeFigureOut">
               <a:rPr lang="ru-RU" smtClean="0"/>
-              <a:t>24.07.2025</a:t>
+              <a:t>25.07.2025</a:t>
             </a:fld>
             <a:endParaRPr lang="ru-RU"/>
           </a:p>
@@ -1011,7 +1012,7 @@
           <a:p>
             <a:fld id="{A8F71573-C613-483F-B0AC-F3A1BF3B7844}" type="datetimeFigureOut">
               <a:rPr lang="ru-RU" smtClean="0"/>
-              <a:t>24.07.2025</a:t>
+              <a:t>25.07.2025</a:t>
             </a:fld>
             <a:endParaRPr lang="ru-RU"/>
           </a:p>
@@ -1243,7 +1244,7 @@
           <a:p>
             <a:fld id="{A8F71573-C613-483F-B0AC-F3A1BF3B7844}" type="datetimeFigureOut">
               <a:rPr lang="ru-RU" smtClean="0"/>
-              <a:t>24.07.2025</a:t>
+              <a:t>25.07.2025</a:t>
             </a:fld>
             <a:endParaRPr lang="ru-RU"/>
           </a:p>
@@ -1610,7 +1611,7 @@
           <a:p>
             <a:fld id="{A8F71573-C613-483F-B0AC-F3A1BF3B7844}" type="datetimeFigureOut">
               <a:rPr lang="ru-RU" smtClean="0"/>
-              <a:t>24.07.2025</a:t>
+              <a:t>25.07.2025</a:t>
             </a:fld>
             <a:endParaRPr lang="ru-RU"/>
           </a:p>
@@ -1728,7 +1729,7 @@
           <a:p>
             <a:fld id="{A8F71573-C613-483F-B0AC-F3A1BF3B7844}" type="datetimeFigureOut">
               <a:rPr lang="ru-RU" smtClean="0"/>
-              <a:t>24.07.2025</a:t>
+              <a:t>25.07.2025</a:t>
             </a:fld>
             <a:endParaRPr lang="ru-RU"/>
           </a:p>
@@ -1823,7 +1824,7 @@
           <a:p>
             <a:fld id="{A8F71573-C613-483F-B0AC-F3A1BF3B7844}" type="datetimeFigureOut">
               <a:rPr lang="ru-RU" smtClean="0"/>
-              <a:t>24.07.2025</a:t>
+              <a:t>25.07.2025</a:t>
             </a:fld>
             <a:endParaRPr lang="ru-RU"/>
           </a:p>
@@ -2100,7 +2101,7 @@
           <a:p>
             <a:fld id="{A8F71573-C613-483F-B0AC-F3A1BF3B7844}" type="datetimeFigureOut">
               <a:rPr lang="ru-RU" smtClean="0"/>
-              <a:t>24.07.2025</a:t>
+              <a:t>25.07.2025</a:t>
             </a:fld>
             <a:endParaRPr lang="ru-RU"/>
           </a:p>
@@ -2357,7 +2358,7 @@
           <a:p>
             <a:fld id="{A8F71573-C613-483F-B0AC-F3A1BF3B7844}" type="datetimeFigureOut">
               <a:rPr lang="ru-RU" smtClean="0"/>
-              <a:t>24.07.2025</a:t>
+              <a:t>25.07.2025</a:t>
             </a:fld>
             <a:endParaRPr lang="ru-RU"/>
           </a:p>
@@ -2424,9 +2425,8 @@
     <p:bg>
       <p:bgPr>
         <a:solidFill>
-          <a:schemeClr val="bg1">
-            <a:lumMod val="85000"/>
-            <a:lumOff val="15000"/>
+          <a:schemeClr val="tx2">
+            <a:lumMod val="10000"/>
           </a:schemeClr>
         </a:solidFill>
         <a:effectLst/>
@@ -2576,7 +2576,7 @@
           <a:p>
             <a:fld id="{A8F71573-C613-483F-B0AC-F3A1BF3B7844}" type="datetimeFigureOut">
               <a:rPr lang="ru-RU" smtClean="0"/>
-              <a:t>24.07.2025</a:t>
+              <a:t>25.07.2025</a:t>
             </a:fld>
             <a:endParaRPr lang="ru-RU"/>
           </a:p>
@@ -4106,7 +4106,7 @@
         </p:nvGrpSpPr>
         <p:grpSpPr>
           <a:xfrm>
-            <a:off x="7971065" y="2959557"/>
+            <a:off x="7971065" y="1690405"/>
             <a:ext cx="3695700" cy="3695700"/>
             <a:chOff x="7971065" y="2959557"/>
             <a:chExt cx="3695700" cy="3695700"/>
@@ -4534,6 +4534,222 @@
 </p:sld>
 </file>
 
+<file path=ppt/slides/slide4.xml><?xml version="1.0" encoding="utf-8"?>
+<p:sld xmlns:a="http://schemas.openxmlformats.org/drawingml/2006/main" xmlns:r="http://schemas.openxmlformats.org/officeDocument/2006/relationships" xmlns:p="http://schemas.openxmlformats.org/presentationml/2006/main">
+  <p:cSld>
+    <p:spTree>
+      <p:nvGrpSpPr>
+        <p:cNvPr id="1" name="">
+          <a:extLst>
+            <a:ext uri="{FF2B5EF4-FFF2-40B4-BE49-F238E27FC236}">
+              <a16:creationId xmlns:a16="http://schemas.microsoft.com/office/drawing/2014/main" id="{3EBAA2CC-4016-023C-3037-2D47FF305553}"/>
+            </a:ext>
+          </a:extLst>
+        </p:cNvPr>
+        <p:cNvGrpSpPr/>
+        <p:nvPr/>
+      </p:nvGrpSpPr>
+      <p:grpSpPr>
+        <a:xfrm>
+          <a:off x="0" y="0"/>
+          <a:ext cx="0" cy="0"/>
+          <a:chOff x="0" y="0"/>
+          <a:chExt cx="0" cy="0"/>
+        </a:xfrm>
+      </p:grpSpPr>
+      <p:sp>
+        <p:nvSpPr>
+          <p:cNvPr id="2" name="Прямоугольник: скругленные углы 1">
+            <a:extLst>
+              <a:ext uri="{FF2B5EF4-FFF2-40B4-BE49-F238E27FC236}">
+                <a16:creationId xmlns:a16="http://schemas.microsoft.com/office/drawing/2014/main" id="{769B8584-8A82-3163-4D43-CBBC657106AF}"/>
+              </a:ext>
+            </a:extLst>
+          </p:cNvPr>
+          <p:cNvSpPr/>
+          <p:nvPr/>
+        </p:nvSpPr>
+        <p:spPr>
+          <a:xfrm>
+            <a:off x="2009776" y="647700"/>
+            <a:ext cx="6057900" cy="1914525"/>
+          </a:xfrm>
+          <a:prstGeom prst="roundRect">
+            <a:avLst>
+              <a:gd name="adj" fmla="val 14428"/>
+            </a:avLst>
+          </a:prstGeom>
+          <a:solidFill>
+            <a:schemeClr val="bg1"/>
+          </a:solidFill>
+          <a:ln>
+            <a:solidFill>
+              <a:schemeClr val="tx1"/>
+            </a:solidFill>
+          </a:ln>
+        </p:spPr>
+        <p:style>
+          <a:lnRef idx="2">
+            <a:schemeClr val="accent1">
+              <a:shade val="15000"/>
+            </a:schemeClr>
+          </a:lnRef>
+          <a:fillRef idx="1">
+            <a:schemeClr val="accent1"/>
+          </a:fillRef>
+          <a:effectRef idx="0">
+            <a:schemeClr val="accent1"/>
+          </a:effectRef>
+          <a:fontRef idx="minor">
+            <a:schemeClr val="lt1"/>
+          </a:fontRef>
+        </p:style>
+        <p:txBody>
+          <a:bodyPr rtlCol="0" anchor="ctr"/>
+          <a:lstStyle/>
+          <a:p>
+            <a:pPr algn="ctr"/>
+            <a:endParaRPr lang="ru-RU"/>
+          </a:p>
+        </p:txBody>
+      </p:sp>
+      <p:pic>
+        <p:nvPicPr>
+          <p:cNvPr id="5" name="Рисунок 4" descr="Изображение выглядит как логотип, снимок экрана, символ, Графика&#10;&#10;Содержимое, созданное искусственным интеллектом, может быть неверным.">
+            <a:extLst>
+              <a:ext uri="{FF2B5EF4-FFF2-40B4-BE49-F238E27FC236}">
+                <a16:creationId xmlns:a16="http://schemas.microsoft.com/office/drawing/2014/main" id="{A20665C8-43DD-5062-2530-012950FA5CA0}"/>
+              </a:ext>
+            </a:extLst>
+          </p:cNvPr>
+          <p:cNvPicPr>
+            <a:picLocks noChangeAspect="1"/>
+          </p:cNvPicPr>
+          <p:nvPr/>
+        </p:nvPicPr>
+        <p:blipFill>
+          <a:blip r:embed="rId2">
+            <a:extLst>
+              <a:ext uri="{28A0092B-C50C-407E-A947-70E740481C1C}">
+                <a14:useLocalDpi xmlns:a14="http://schemas.microsoft.com/office/drawing/2010/main" val="0"/>
+              </a:ext>
+            </a:extLst>
+          </a:blip>
+          <a:stretch>
+            <a:fillRect/>
+          </a:stretch>
+        </p:blipFill>
+        <p:spPr>
+          <a:xfrm>
+            <a:off x="2107637" y="747714"/>
+            <a:ext cx="1716651" cy="1715364"/>
+          </a:xfrm>
+          <a:prstGeom prst="rect">
+            <a:avLst/>
+          </a:prstGeom>
+        </p:spPr>
+      </p:pic>
+      <p:sp>
+        <p:nvSpPr>
+          <p:cNvPr id="6" name="TextBox 5">
+            <a:extLst>
+              <a:ext uri="{FF2B5EF4-FFF2-40B4-BE49-F238E27FC236}">
+                <a16:creationId xmlns:a16="http://schemas.microsoft.com/office/drawing/2014/main" id="{AFA5FD2B-A014-3CD2-7C42-E5E1C2F6F972}"/>
+              </a:ext>
+            </a:extLst>
+          </p:cNvPr>
+          <p:cNvSpPr txBox="1"/>
+          <p:nvPr/>
+        </p:nvSpPr>
+        <p:spPr>
+          <a:xfrm>
+            <a:off x="3824288" y="945965"/>
+            <a:ext cx="4243388" cy="1077218"/>
+          </a:xfrm>
+          <a:prstGeom prst="rect">
+            <a:avLst/>
+          </a:prstGeom>
+          <a:noFill/>
+        </p:spPr>
+        <p:txBody>
+          <a:bodyPr wrap="square" rtlCol="0">
+            <a:spAutoFit/>
+          </a:bodyPr>
+          <a:lstStyle/>
+          <a:p>
+            <a:pPr algn="ctr"/>
+            <a:r>
+              <a:rPr lang="en-US" sz="3200" b="1" dirty="0"/>
+              <a:t>Shared Preferences Editor</a:t>
+            </a:r>
+            <a:endParaRPr lang="ru-RU" sz="3200" b="1" dirty="0"/>
+          </a:p>
+        </p:txBody>
+      </p:sp>
+      <p:sp>
+        <p:nvSpPr>
+          <p:cNvPr id="7" name="TextBox 6">
+            <a:extLst>
+              <a:ext uri="{FF2B5EF4-FFF2-40B4-BE49-F238E27FC236}">
+                <a16:creationId xmlns:a16="http://schemas.microsoft.com/office/drawing/2014/main" id="{2978E6C0-F762-5EA3-6AA7-01D4FB5C493D}"/>
+              </a:ext>
+            </a:extLst>
+          </p:cNvPr>
+          <p:cNvSpPr txBox="1"/>
+          <p:nvPr/>
+        </p:nvSpPr>
+        <p:spPr>
+          <a:xfrm>
+            <a:off x="3824288" y="2000086"/>
+            <a:ext cx="4243388" cy="369332"/>
+          </a:xfrm>
+          <a:prstGeom prst="rect">
+            <a:avLst/>
+          </a:prstGeom>
+          <a:noFill/>
+        </p:spPr>
+        <p:txBody>
+          <a:bodyPr wrap="square" rtlCol="0">
+            <a:spAutoFit/>
+          </a:bodyPr>
+          <a:lstStyle/>
+          <a:p>
+            <a:pPr algn="ctr"/>
+            <a:r>
+              <a:rPr lang="en-US" dirty="0">
+                <a:solidFill>
+                  <a:schemeClr val="bg1">
+                    <a:lumMod val="50000"/>
+                    <a:lumOff val="50000"/>
+                  </a:schemeClr>
+                </a:solidFill>
+              </a:rPr>
+              <a:t>Guess what its doing</a:t>
+            </a:r>
+            <a:endParaRPr lang="ru-RU" dirty="0">
+              <a:solidFill>
+                <a:schemeClr val="bg1">
+                  <a:lumMod val="50000"/>
+                  <a:lumOff val="50000"/>
+                </a:schemeClr>
+              </a:solidFill>
+            </a:endParaRPr>
+          </a:p>
+        </p:txBody>
+      </p:sp>
+    </p:spTree>
+    <p:extLst>
+      <p:ext uri="{BB962C8B-B14F-4D97-AF65-F5344CB8AC3E}">
+        <p14:creationId xmlns:p14="http://schemas.microsoft.com/office/powerpoint/2010/main" val="3372431323"/>
+      </p:ext>
+    </p:extLst>
+  </p:cSld>
+  <p:clrMapOvr>
+    <a:masterClrMapping/>
+  </p:clrMapOvr>
+</p:sld>
+</file>
+
 <file path=ppt/theme/theme1.xml><?xml version="1.0" encoding="utf-8"?>
 <a:theme xmlns:a="http://schemas.openxmlformats.org/drawingml/2006/main" name="Office Theme">
   <a:themeElements>
